--- a/editable_outputs/output2.pptx
+++ b/editable_outputs/output2.pptx
@@ -3175,7 +3175,6 @@
             <a:spAutoFit/>
           </a:bodyPr>
           <a:lstStyle/>
-          <a:p/>
           <a:p>
             <a:pPr>
               <a:defRPr sz="1000"/>
